--- a/Testing/Jtag.pptx
+++ b/Testing/Jtag.pptx
@@ -5,7 +5,7 @@
     <p:sldMasterId id="2147483648" r:id="rId1"/>
   </p:sldMasterIdLst>
   <p:notesMasterIdLst>
-    <p:notesMasterId r:id="rId18"/>
+    <p:notesMasterId r:id="rId19"/>
   </p:notesMasterIdLst>
   <p:sldIdLst>
     <p:sldId id="256" r:id="rId2"/>
@@ -24,6 +24,7 @@
     <p:sldId id="266" r:id="rId15"/>
     <p:sldId id="268" r:id="rId16"/>
     <p:sldId id="269" r:id="rId17"/>
+    <p:sldId id="272" r:id="rId18"/>
   </p:sldIdLst>
   <p:sldSz cx="12192000" cy="6858000"/>
   <p:notesSz cx="6858000" cy="9144000"/>
@@ -212,7 +213,7 @@
           <a:p>
             <a:fld id="{6F9F53C8-D2FC-4107-90E8-0545E169AF3E}" type="datetimeFigureOut">
               <a:rPr lang="en-US" smtClean="0"/>
-              <a:t>8/28/2021</a:t>
+              <a:t>8/30/2021</a:t>
             </a:fld>
             <a:endParaRPr lang="en-US"/>
           </a:p>
@@ -1553,7 +1554,7 @@
           <a:p>
             <a:fld id="{DF8B350B-6E31-4D87-B3C4-5B316FC4362F}" type="datetimeFigureOut">
               <a:rPr lang="en-US" smtClean="0"/>
-              <a:t>8/28/2021</a:t>
+              <a:t>8/30/2021</a:t>
             </a:fld>
             <a:endParaRPr lang="en-US"/>
           </a:p>
@@ -1751,7 +1752,7 @@
           <a:p>
             <a:fld id="{DF8B350B-6E31-4D87-B3C4-5B316FC4362F}" type="datetimeFigureOut">
               <a:rPr lang="en-US" smtClean="0"/>
-              <a:t>8/28/2021</a:t>
+              <a:t>8/30/2021</a:t>
             </a:fld>
             <a:endParaRPr lang="en-US"/>
           </a:p>
@@ -1959,7 +1960,7 @@
           <a:p>
             <a:fld id="{DF8B350B-6E31-4D87-B3C4-5B316FC4362F}" type="datetimeFigureOut">
               <a:rPr lang="en-US" smtClean="0"/>
-              <a:t>8/28/2021</a:t>
+              <a:t>8/30/2021</a:t>
             </a:fld>
             <a:endParaRPr lang="en-US"/>
           </a:p>
@@ -2157,7 +2158,7 @@
           <a:p>
             <a:fld id="{DF8B350B-6E31-4D87-B3C4-5B316FC4362F}" type="datetimeFigureOut">
               <a:rPr lang="en-US" smtClean="0"/>
-              <a:t>8/28/2021</a:t>
+              <a:t>8/30/2021</a:t>
             </a:fld>
             <a:endParaRPr lang="en-US"/>
           </a:p>
@@ -2432,7 +2433,7 @@
           <a:p>
             <a:fld id="{DF8B350B-6E31-4D87-B3C4-5B316FC4362F}" type="datetimeFigureOut">
               <a:rPr lang="en-US" smtClean="0"/>
-              <a:t>8/28/2021</a:t>
+              <a:t>8/30/2021</a:t>
             </a:fld>
             <a:endParaRPr lang="en-US"/>
           </a:p>
@@ -2697,7 +2698,7 @@
           <a:p>
             <a:fld id="{DF8B350B-6E31-4D87-B3C4-5B316FC4362F}" type="datetimeFigureOut">
               <a:rPr lang="en-US" smtClean="0"/>
-              <a:t>8/28/2021</a:t>
+              <a:t>8/30/2021</a:t>
             </a:fld>
             <a:endParaRPr lang="en-US"/>
           </a:p>
@@ -3109,7 +3110,7 @@
           <a:p>
             <a:fld id="{DF8B350B-6E31-4D87-B3C4-5B316FC4362F}" type="datetimeFigureOut">
               <a:rPr lang="en-US" smtClean="0"/>
-              <a:t>8/28/2021</a:t>
+              <a:t>8/30/2021</a:t>
             </a:fld>
             <a:endParaRPr lang="en-US"/>
           </a:p>
@@ -3250,7 +3251,7 @@
           <a:p>
             <a:fld id="{DF8B350B-6E31-4D87-B3C4-5B316FC4362F}" type="datetimeFigureOut">
               <a:rPr lang="en-US" smtClean="0"/>
-              <a:t>8/28/2021</a:t>
+              <a:t>8/30/2021</a:t>
             </a:fld>
             <a:endParaRPr lang="en-US"/>
           </a:p>
@@ -3363,7 +3364,7 @@
           <a:p>
             <a:fld id="{DF8B350B-6E31-4D87-B3C4-5B316FC4362F}" type="datetimeFigureOut">
               <a:rPr lang="en-US" smtClean="0"/>
-              <a:t>8/28/2021</a:t>
+              <a:t>8/30/2021</a:t>
             </a:fld>
             <a:endParaRPr lang="en-US"/>
           </a:p>
@@ -3674,7 +3675,7 @@
           <a:p>
             <a:fld id="{DF8B350B-6E31-4D87-B3C4-5B316FC4362F}" type="datetimeFigureOut">
               <a:rPr lang="en-US" smtClean="0"/>
-              <a:t>8/28/2021</a:t>
+              <a:t>8/30/2021</a:t>
             </a:fld>
             <a:endParaRPr lang="en-US"/>
           </a:p>
@@ -3962,7 +3963,7 @@
           <a:p>
             <a:fld id="{DF8B350B-6E31-4D87-B3C4-5B316FC4362F}" type="datetimeFigureOut">
               <a:rPr lang="en-US" smtClean="0"/>
-              <a:t>8/28/2021</a:t>
+              <a:t>8/30/2021</a:t>
             </a:fld>
             <a:endParaRPr lang="en-US"/>
           </a:p>
@@ -4203,7 +4204,7 @@
           <a:p>
             <a:fld id="{DF8B350B-6E31-4D87-B3C4-5B316FC4362F}" type="datetimeFigureOut">
               <a:rPr lang="en-US" smtClean="0"/>
-              <a:t>8/28/2021</a:t>
+              <a:t>8/30/2021</a:t>
             </a:fld>
             <a:endParaRPr lang="en-US"/>
           </a:p>
@@ -5700,6 +5701,96 @@
     <p:extLst>
       <p:ext uri="{BB962C8B-B14F-4D97-AF65-F5344CB8AC3E}">
         <p14:creationId xmlns:p14="http://schemas.microsoft.com/office/powerpoint/2010/main" val="3414371928"/>
+      </p:ext>
+    </p:extLst>
+  </p:cSld>
+  <p:clrMapOvr>
+    <a:masterClrMapping/>
+  </p:clrMapOvr>
+</p:sld>
+</file>
+
+<file path=ppt/slides/slide17.xml><?xml version="1.0" encoding="utf-8"?>
+<p:sld xmlns:a="http://schemas.openxmlformats.org/drawingml/2006/main" xmlns:r="http://schemas.openxmlformats.org/officeDocument/2006/relationships" xmlns:p="http://schemas.openxmlformats.org/presentationml/2006/main">
+  <p:cSld>
+    <p:spTree>
+      <p:nvGrpSpPr>
+        <p:cNvPr id="1" name=""/>
+        <p:cNvGrpSpPr/>
+        <p:nvPr/>
+      </p:nvGrpSpPr>
+      <p:grpSpPr>
+        <a:xfrm>
+          <a:off x="0" y="0"/>
+          <a:ext cx="0" cy="0"/>
+          <a:chOff x="0" y="0"/>
+          <a:chExt cx="0" cy="0"/>
+        </a:xfrm>
+      </p:grpSpPr>
+      <p:sp>
+        <p:nvSpPr>
+          <p:cNvPr id="2" name="Title 1">
+            <a:extLst>
+              <a:ext uri="{FF2B5EF4-FFF2-40B4-BE49-F238E27FC236}">
+                <a16:creationId xmlns:a16="http://schemas.microsoft.com/office/drawing/2014/main" id="{9B6A2781-BFB9-4C5C-B405-E0F2727DF616}"/>
+              </a:ext>
+            </a:extLst>
+          </p:cNvPr>
+          <p:cNvSpPr>
+            <a:spLocks noGrp="1"/>
+          </p:cNvSpPr>
+          <p:nvPr>
+            <p:ph type="title"/>
+          </p:nvPr>
+        </p:nvSpPr>
+        <p:spPr/>
+        <p:txBody>
+          <a:bodyPr/>
+          <a:lstStyle/>
+          <a:p>
+            <a:endParaRPr lang="en-US" dirty="0"/>
+          </a:p>
+        </p:txBody>
+      </p:sp>
+      <p:pic>
+        <p:nvPicPr>
+          <p:cNvPr id="5" name="Content Placeholder 4" descr="Text, letter&#10;&#10;Description automatically generated">
+            <a:extLst>
+              <a:ext uri="{FF2B5EF4-FFF2-40B4-BE49-F238E27FC236}">
+                <a16:creationId xmlns:a16="http://schemas.microsoft.com/office/drawing/2014/main" id="{C0F9F5AC-7FF8-4B9F-BCC5-4AF7AAED141F}"/>
+              </a:ext>
+            </a:extLst>
+          </p:cNvPr>
+          <p:cNvPicPr>
+            <a:picLocks noGrp="1" noChangeAspect="1"/>
+          </p:cNvPicPr>
+          <p:nvPr>
+            <p:ph idx="1"/>
+          </p:nvPr>
+        </p:nvPicPr>
+        <p:blipFill>
+          <a:blip r:embed="rId2">
+            <a:extLst>
+              <a:ext uri="{28A0092B-C50C-407E-A947-70E740481C1C}">
+                <a14:useLocalDpi xmlns:a14="http://schemas.microsoft.com/office/drawing/2010/main" val="0"/>
+              </a:ext>
+            </a:extLst>
+          </a:blip>
+          <a:stretch>
+            <a:fillRect/>
+          </a:stretch>
+        </p:blipFill>
+        <p:spPr>
+          <a:xfrm>
+            <a:off x="3195108" y="1825625"/>
+            <a:ext cx="5801784" cy="4351338"/>
+          </a:xfrm>
+        </p:spPr>
+      </p:pic>
+    </p:spTree>
+    <p:extLst>
+      <p:ext uri="{BB962C8B-B14F-4D97-AF65-F5344CB8AC3E}">
+        <p14:creationId xmlns:p14="http://schemas.microsoft.com/office/powerpoint/2010/main" val="1434289599"/>
       </p:ext>
     </p:extLst>
   </p:cSld>
